--- a/Presentations/Week 3 Update.pptx
+++ b/Presentations/Week 3 Update.pptx
@@ -149,6 +149,11 @@
       </a:defRPr>
     </a:lvl9pPr>
   </p:defaultTextStyle>
+  <p:extLst>
+    <p:ext uri="{EFAFB233-063F-42B5-8137-9DF3F51BA10A}">
+      <p15:sldGuideLst xmlns:p15="http://schemas.microsoft.com/office/powerpoint/2012/main"/>
+    </p:ext>
+  </p:extLst>
 </p:presentation>
 </file>
 
@@ -269,7 +274,7 @@
             <a:fld id="{C9ACF29F-4809-423D-8C04-F41F6E4A97FD}" type="datetimeFigureOut">
               <a:rPr lang="en-US" altLang="en-US"/>
               <a:pPr/>
-              <a:t>10/7/2019</a:t>
+              <a:t>10/21/2019</a:t>
             </a:fld>
             <a:endParaRPr lang="en-US" altLang="en-US"/>
           </a:p>
@@ -497,7 +502,7 @@
             <a:fld id="{113E14CF-D26D-4EB8-92B5-FEC5B7BD9B6D}" type="datetimeFigureOut">
               <a:rPr lang="en-US" altLang="en-US"/>
               <a:pPr/>
-              <a:t>10/7/2019</a:t>
+              <a:t>10/21/2019</a:t>
             </a:fld>
             <a:endParaRPr lang="en-US" altLang="en-US"/>
           </a:p>
@@ -959,14 +964,14 @@
           </a:ln>
           <a:extLst>
             <a:ext uri="{909E8E84-426E-40dd-AFC4-6F175D3DCCD1}">
-              <a14:hiddenFill xmlns:a14="http://schemas.microsoft.com/office/drawing/2010/main" xmlns="">
+              <a14:hiddenFill xmlns="" xmlns:a14="http://schemas.microsoft.com/office/drawing/2010/main">
                 <a:solidFill>
                   <a:srgbClr val="FFFFFF"/>
                 </a:solidFill>
               </a14:hiddenFill>
             </a:ext>
             <a:ext uri="{91240B29-F687-4f45-9708-019B960494DF}">
-              <a14:hiddenLine xmlns:a14="http://schemas.microsoft.com/office/drawing/2010/main" xmlns="" w="9525">
+              <a14:hiddenLine xmlns="" xmlns:a14="http://schemas.microsoft.com/office/drawing/2010/main" w="9525">
                 <a:solidFill>
                   <a:srgbClr val="000000"/>
                 </a:solidFill>
@@ -2582,14 +2587,14 @@
           </a:ln>
           <a:extLst>
             <a:ext uri="{909E8E84-426E-40dd-AFC4-6F175D3DCCD1}">
-              <a14:hiddenFill xmlns:a14="http://schemas.microsoft.com/office/drawing/2010/main" xmlns="">
+              <a14:hiddenFill xmlns="" xmlns:a14="http://schemas.microsoft.com/office/drawing/2010/main">
                 <a:solidFill>
                   <a:srgbClr val="FFFFFF"/>
                 </a:solidFill>
               </a14:hiddenFill>
             </a:ext>
             <a:ext uri="{91240B29-F687-4f45-9708-019B960494DF}">
-              <a14:hiddenLine xmlns:a14="http://schemas.microsoft.com/office/drawing/2010/main" xmlns="" w="9525">
+              <a14:hiddenLine xmlns="" xmlns:a14="http://schemas.microsoft.com/office/drawing/2010/main" w="9525">
                 <a:solidFill>
                   <a:srgbClr val="000000"/>
                 </a:solidFill>
@@ -4159,14 +4164,14 @@
           </a:ln>
           <a:extLst>
             <a:ext uri="{909E8E84-426E-40dd-AFC4-6F175D3DCCD1}">
-              <a14:hiddenFill xmlns:a14="http://schemas.microsoft.com/office/drawing/2010/main" xmlns="">
+              <a14:hiddenFill xmlns="" xmlns:a14="http://schemas.microsoft.com/office/drawing/2010/main">
                 <a:solidFill>
                   <a:srgbClr val="FFFFFF"/>
                 </a:solidFill>
               </a14:hiddenFill>
             </a:ext>
             <a:ext uri="{91240B29-F687-4f45-9708-019B960494DF}">
-              <a14:hiddenLine xmlns:a14="http://schemas.microsoft.com/office/drawing/2010/main" xmlns="" w="9525">
+              <a14:hiddenLine xmlns="" xmlns:a14="http://schemas.microsoft.com/office/drawing/2010/main" w="9525">
                 <a:solidFill>
                   <a:srgbClr val="000000"/>
                 </a:solidFill>
@@ -4539,14 +4544,14 @@
           </a:ln>
           <a:extLst>
             <a:ext uri="{909E8E84-426E-40dd-AFC4-6F175D3DCCD1}">
-              <a14:hiddenFill xmlns:a14="http://schemas.microsoft.com/office/drawing/2010/main" xmlns="">
+              <a14:hiddenFill xmlns="" xmlns:a14="http://schemas.microsoft.com/office/drawing/2010/main">
                 <a:solidFill>
                   <a:srgbClr val="FFFFFF"/>
                 </a:solidFill>
               </a14:hiddenFill>
             </a:ext>
             <a:ext uri="{91240B29-F687-4f45-9708-019B960494DF}">
-              <a14:hiddenLine xmlns:a14="http://schemas.microsoft.com/office/drawing/2010/main" xmlns="" w="9525">
+              <a14:hiddenLine xmlns="" xmlns:a14="http://schemas.microsoft.com/office/drawing/2010/main" w="9525">
                 <a:solidFill>
                   <a:srgbClr val="000000"/>
                 </a:solidFill>
@@ -5058,14 +5063,14 @@
           </a:ln>
           <a:extLst>
             <a:ext uri="{909E8E84-426E-40dd-AFC4-6F175D3DCCD1}">
-              <a14:hiddenFill xmlns:a14="http://schemas.microsoft.com/office/drawing/2010/main" xmlns="">
+              <a14:hiddenFill xmlns="" xmlns:a14="http://schemas.microsoft.com/office/drawing/2010/main">
                 <a:solidFill>
                   <a:srgbClr val="FFFFFF"/>
                 </a:solidFill>
               </a14:hiddenFill>
             </a:ext>
             <a:ext uri="{91240B29-F687-4f45-9708-019B960494DF}">
-              <a14:hiddenLine xmlns:a14="http://schemas.microsoft.com/office/drawing/2010/main" xmlns="" w="9525">
+              <a14:hiddenLine xmlns="" xmlns:a14="http://schemas.microsoft.com/office/drawing/2010/main" w="9525">
                 <a:solidFill>
                   <a:srgbClr val="000000"/>
                 </a:solidFill>
@@ -5847,14 +5852,14 @@
           </a:ln>
           <a:extLst>
             <a:ext uri="{909E8E84-426E-40dd-AFC4-6F175D3DCCD1}">
-              <a14:hiddenFill xmlns:a14="http://schemas.microsoft.com/office/drawing/2010/main" xmlns="">
+              <a14:hiddenFill xmlns="" xmlns:a14="http://schemas.microsoft.com/office/drawing/2010/main">
                 <a:solidFill>
                   <a:srgbClr val="FFFFFF"/>
                 </a:solidFill>
               </a14:hiddenFill>
             </a:ext>
             <a:ext uri="{91240B29-F687-4f45-9708-019B960494DF}">
-              <a14:hiddenLine xmlns:a14="http://schemas.microsoft.com/office/drawing/2010/main" xmlns="" w="9525">
+              <a14:hiddenLine xmlns="" xmlns:a14="http://schemas.microsoft.com/office/drawing/2010/main" w="9525">
                 <a:solidFill>
                   <a:srgbClr val="000000"/>
                 </a:solidFill>
@@ -6408,7 +6413,7 @@
             </a:pPr>
             <a:r>
               <a:rPr lang="en-US" dirty="0"/>
-              <a:t>10/8/2019</a:t>
+              <a:t>10/21/2019</a:t>
             </a:r>
           </a:p>
         </p:txBody>
@@ -6465,11 +6470,11 @@
   <p:clrMapOvr>
     <a:masterClrMapping/>
   </p:clrMapOvr>
-  <mc:AlternateContent xmlns:mc="http://schemas.openxmlformats.org/markup-compatibility/2006">
-    <mc:Choice xmlns:p14="http://schemas.microsoft.com/office/powerpoint/2010/main" Requires="p14">
+  <mc:AlternateContent xmlns:mc="http://schemas.openxmlformats.org/markup-compatibility/2006" xmlns:p14="http://schemas.microsoft.com/office/powerpoint/2010/main">
+    <mc:Choice Requires="p14">
       <p:transition p14:dur="0"/>
     </mc:Choice>
-    <mc:Fallback>
+    <mc:Fallback xmlns="">
       <p:transition/>
     </mc:Fallback>
   </mc:AlternateContent>
@@ -6627,11 +6632,11 @@
   <p:clrMapOvr>
     <a:masterClrMapping/>
   </p:clrMapOvr>
-  <mc:AlternateContent xmlns:mc="http://schemas.openxmlformats.org/markup-compatibility/2006">
-    <mc:Choice xmlns:p14="http://schemas.microsoft.com/office/powerpoint/2010/main" Requires="p14">
+  <mc:AlternateContent xmlns:mc="http://schemas.openxmlformats.org/markup-compatibility/2006" xmlns:p14="http://schemas.microsoft.com/office/powerpoint/2010/main">
+    <mc:Choice Requires="p14">
       <p:transition p14:dur="0"/>
     </mc:Choice>
-    <mc:Fallback>
+    <mc:Fallback xmlns="">
       <p:transition/>
     </mc:Fallback>
   </mc:AlternateContent>
@@ -6788,11 +6793,11 @@
   <p:clrMapOvr>
     <a:masterClrMapping/>
   </p:clrMapOvr>
-  <mc:AlternateContent xmlns:mc="http://schemas.openxmlformats.org/markup-compatibility/2006">
-    <mc:Choice xmlns:p14="http://schemas.microsoft.com/office/powerpoint/2010/main" Requires="p14">
+  <mc:AlternateContent xmlns:mc="http://schemas.openxmlformats.org/markup-compatibility/2006" xmlns:p14="http://schemas.microsoft.com/office/powerpoint/2010/main">
+    <mc:Choice Requires="p14">
       <p:transition p14:dur="0"/>
     </mc:Choice>
-    <mc:Fallback>
+    <mc:Fallback xmlns="">
       <p:transition/>
     </mc:Fallback>
   </mc:AlternateContent>
@@ -6941,11 +6946,11 @@
   <p:clrMapOvr>
     <a:masterClrMapping/>
   </p:clrMapOvr>
-  <mc:AlternateContent xmlns:mc="http://schemas.openxmlformats.org/markup-compatibility/2006">
-    <mc:Choice xmlns:p14="http://schemas.microsoft.com/office/powerpoint/2010/main" Requires="p14">
+  <mc:AlternateContent xmlns:mc="http://schemas.openxmlformats.org/markup-compatibility/2006" xmlns:p14="http://schemas.microsoft.com/office/powerpoint/2010/main">
+    <mc:Choice Requires="p14">
       <p:transition p14:dur="0"/>
     </mc:Choice>
-    <mc:Fallback>
+    <mc:Fallback xmlns="">
       <p:transition/>
     </mc:Fallback>
   </mc:AlternateContent>
@@ -7285,11 +7290,11 @@
   <p:clrMapOvr>
     <a:masterClrMapping/>
   </p:clrMapOvr>
-  <mc:AlternateContent xmlns:mc="http://schemas.openxmlformats.org/markup-compatibility/2006">
-    <mc:Choice xmlns:p14="http://schemas.microsoft.com/office/powerpoint/2010/main" Requires="p14">
+  <mc:AlternateContent xmlns:mc="http://schemas.openxmlformats.org/markup-compatibility/2006" xmlns:p14="http://schemas.microsoft.com/office/powerpoint/2010/main">
+    <mc:Choice Requires="p14">
       <p:transition p14:dur="0"/>
     </mc:Choice>
-    <mc:Fallback>
+    <mc:Fallback xmlns="">
       <p:transition/>
     </mc:Fallback>
   </mc:AlternateContent>
@@ -7521,11 +7526,11 @@
   <p:clrMapOvr>
     <a:masterClrMapping/>
   </p:clrMapOvr>
-  <mc:AlternateContent xmlns:mc="http://schemas.openxmlformats.org/markup-compatibility/2006">
-    <mc:Choice xmlns:p14="http://schemas.microsoft.com/office/powerpoint/2010/main" Requires="p14">
+  <mc:AlternateContent xmlns:mc="http://schemas.openxmlformats.org/markup-compatibility/2006" xmlns:p14="http://schemas.microsoft.com/office/powerpoint/2010/main">
+    <mc:Choice Requires="p14">
       <p:transition p14:dur="0"/>
     </mc:Choice>
-    <mc:Fallback>
+    <mc:Fallback xmlns="">
       <p:transition/>
     </mc:Fallback>
   </mc:AlternateContent>
@@ -7684,11 +7689,11 @@
   <p:clrMapOvr>
     <a:masterClrMapping/>
   </p:clrMapOvr>
-  <mc:AlternateContent xmlns:mc="http://schemas.openxmlformats.org/markup-compatibility/2006">
-    <mc:Choice xmlns:p14="http://schemas.microsoft.com/office/powerpoint/2010/main" Requires="p14">
+  <mc:AlternateContent xmlns:mc="http://schemas.openxmlformats.org/markup-compatibility/2006" xmlns:p14="http://schemas.microsoft.com/office/powerpoint/2010/main">
+    <mc:Choice Requires="p14">
       <p:transition p14:dur="0"/>
     </mc:Choice>
-    <mc:Fallback>
+    <mc:Fallback xmlns="">
       <p:transition/>
     </mc:Fallback>
   </mc:AlternateContent>
@@ -7878,11 +7883,11 @@
   <p:clrMapOvr>
     <a:masterClrMapping/>
   </p:clrMapOvr>
-  <mc:AlternateContent xmlns:mc="http://schemas.openxmlformats.org/markup-compatibility/2006">
-    <mc:Choice xmlns:p14="http://schemas.microsoft.com/office/powerpoint/2010/main" Requires="p14">
+  <mc:AlternateContent xmlns:mc="http://schemas.openxmlformats.org/markup-compatibility/2006" xmlns:p14="http://schemas.microsoft.com/office/powerpoint/2010/main">
+    <mc:Choice Requires="p14">
       <p:transition p14:dur="0"/>
     </mc:Choice>
-    <mc:Fallback>
+    <mc:Fallback xmlns="">
       <p:transition/>
     </mc:Fallback>
   </mc:AlternateContent>
